--- a/Presentations/Section16_UnixCommandLineShortcut.pptx
+++ b/Presentations/Section16_UnixCommandLineShortcut.pptx
@@ -262,7 +262,7 @@
           <a:p>
             <a:fld id="{CD93E3FE-720F-274C-BC35-520F6CF356E5}" type="datetimeFigureOut">
               <a:rPr lang="en-US" smtClean="0"/>
-              <a:t>12/22/22</a:t>
+              <a:t>12/28/22</a:t>
             </a:fld>
             <a:endParaRPr lang="en-US"/>
           </a:p>
@@ -462,7 +462,7 @@
           <a:p>
             <a:fld id="{CD93E3FE-720F-274C-BC35-520F6CF356E5}" type="datetimeFigureOut">
               <a:rPr lang="en-US" smtClean="0"/>
-              <a:t>12/22/22</a:t>
+              <a:t>12/28/22</a:t>
             </a:fld>
             <a:endParaRPr lang="en-US"/>
           </a:p>
@@ -672,7 +672,7 @@
           <a:p>
             <a:fld id="{CD93E3FE-720F-274C-BC35-520F6CF356E5}" type="datetimeFigureOut">
               <a:rPr lang="en-US" smtClean="0"/>
-              <a:t>12/22/22</a:t>
+              <a:t>12/28/22</a:t>
             </a:fld>
             <a:endParaRPr lang="en-US"/>
           </a:p>
@@ -872,7 +872,7 @@
           <a:p>
             <a:fld id="{CD93E3FE-720F-274C-BC35-520F6CF356E5}" type="datetimeFigureOut">
               <a:rPr lang="en-US" smtClean="0"/>
-              <a:t>12/22/22</a:t>
+              <a:t>12/28/22</a:t>
             </a:fld>
             <a:endParaRPr lang="en-US"/>
           </a:p>
@@ -1148,7 +1148,7 @@
           <a:p>
             <a:fld id="{CD93E3FE-720F-274C-BC35-520F6CF356E5}" type="datetimeFigureOut">
               <a:rPr lang="en-US" smtClean="0"/>
-              <a:t>12/22/22</a:t>
+              <a:t>12/28/22</a:t>
             </a:fld>
             <a:endParaRPr lang="en-US"/>
           </a:p>
@@ -1416,7 +1416,7 @@
           <a:p>
             <a:fld id="{CD93E3FE-720F-274C-BC35-520F6CF356E5}" type="datetimeFigureOut">
               <a:rPr lang="en-US" smtClean="0"/>
-              <a:t>12/22/22</a:t>
+              <a:t>12/28/22</a:t>
             </a:fld>
             <a:endParaRPr lang="en-US"/>
           </a:p>
@@ -1831,7 +1831,7 @@
           <a:p>
             <a:fld id="{CD93E3FE-720F-274C-BC35-520F6CF356E5}" type="datetimeFigureOut">
               <a:rPr lang="en-US" smtClean="0"/>
-              <a:t>12/22/22</a:t>
+              <a:t>12/28/22</a:t>
             </a:fld>
             <a:endParaRPr lang="en-US"/>
           </a:p>
@@ -1973,7 +1973,7 @@
           <a:p>
             <a:fld id="{CD93E3FE-720F-274C-BC35-520F6CF356E5}" type="datetimeFigureOut">
               <a:rPr lang="en-US" smtClean="0"/>
-              <a:t>12/22/22</a:t>
+              <a:t>12/28/22</a:t>
             </a:fld>
             <a:endParaRPr lang="en-US"/>
           </a:p>
@@ -2086,7 +2086,7 @@
           <a:p>
             <a:fld id="{CD93E3FE-720F-274C-BC35-520F6CF356E5}" type="datetimeFigureOut">
               <a:rPr lang="en-US" smtClean="0"/>
-              <a:t>12/22/22</a:t>
+              <a:t>12/28/22</a:t>
             </a:fld>
             <a:endParaRPr lang="en-US"/>
           </a:p>
@@ -2399,7 +2399,7 @@
           <a:p>
             <a:fld id="{CD93E3FE-720F-274C-BC35-520F6CF356E5}" type="datetimeFigureOut">
               <a:rPr lang="en-US" smtClean="0"/>
-              <a:t>12/22/22</a:t>
+              <a:t>12/28/22</a:t>
             </a:fld>
             <a:endParaRPr lang="en-US"/>
           </a:p>
@@ -2688,7 +2688,7 @@
           <a:p>
             <a:fld id="{CD93E3FE-720F-274C-BC35-520F6CF356E5}" type="datetimeFigureOut">
               <a:rPr lang="en-US" smtClean="0"/>
-              <a:t>12/22/22</a:t>
+              <a:t>12/28/22</a:t>
             </a:fld>
             <a:endParaRPr lang="en-US"/>
           </a:p>
@@ -2931,7 +2931,7 @@
           <a:p>
             <a:fld id="{CD93E3FE-720F-274C-BC35-520F6CF356E5}" type="datetimeFigureOut">
               <a:rPr lang="en-US" smtClean="0"/>
-              <a:t>12/22/22</a:t>
+              <a:t>12/28/22</a:t>
             </a:fld>
             <a:endParaRPr lang="en-US"/>
           </a:p>
@@ -3433,8 +3433,12 @@
           <a:p>
             <a:pPr lvl="1"/>
             <a:r>
+              <a:rPr lang="en-US"/>
+              <a:t>Ctrl</a:t>
+            </a:r>
+            <a:r>
               <a:rPr lang="en-US" dirty="0" err="1"/>
-              <a:t>Ctrkl+U</a:t>
+              <a:t>+U</a:t>
             </a:r>
             <a:r>
               <a:rPr lang="en-US" dirty="0"/>
